--- a/ib1/extra/AZ-900AIntro.pptx
+++ b/ib1/extra/AZ-900AIntro.pptx
@@ -247,7 +247,7 @@
               <a:rPr lang="en-US" smtClean="0">
                 <a:latin typeface="Segoe UI" pitchFamily="34" charset="0"/>
               </a:rPr>
-              <a:t>3/4/2019 2:13 PM</a:t>
+              <a:t>3/14/2019 10:54 AM</a:t>
             </a:fld>
             <a:endParaRPr lang="en-US" dirty="0">
               <a:latin typeface="Segoe UI" pitchFamily="34" charset="0"/>
@@ -525,7 +525,7 @@
           <a:p>
             <a:fld id="{386CE63F-9E7F-4C04-9D0D-FCA25A8E9E86}" type="datetime8">
               <a:rPr lang="en-US" smtClean="0"/>
-              <a:t>3/4/2019 2:13 PM</a:t>
+              <a:t>3/14/2019 10:54 AM</a:t>
             </a:fld>
             <a:endParaRPr lang="en-US" dirty="0"/>
           </a:p>
@@ -892,7 +892,7 @@
           <a:p>
             <a:fld id="{3619146B-24F9-441E-A368-DB3B5A84C1D4}" type="datetime8">
               <a:rPr lang="en-US" smtClean="0"/>
-              <a:t>3/4/2019 2:14 PM</a:t>
+              <a:t>3/14/2019 10:54 AM</a:t>
             </a:fld>
             <a:endParaRPr lang="en-US" dirty="0"/>
           </a:p>
@@ -1141,7 +1141,7 @@
           <a:p>
             <a:fld id="{386CE63F-9E7F-4C04-9D0D-FCA25A8E9E86}" type="datetime8">
               <a:rPr lang="en-US" smtClean="0"/>
-              <a:t>3/4/2019 2:16 PM</a:t>
+              <a:t>3/14/2019 10:54 AM</a:t>
             </a:fld>
             <a:endParaRPr lang="en-US" dirty="0"/>
           </a:p>
@@ -1306,7 +1306,7 @@
           <a:p>
             <a:fld id="{9427A7F7-BB1E-479D-AFAA-B52F4D0C99F2}" type="datetime8">
               <a:rPr lang="en-US" smtClean="0"/>
-              <a:t>3/4/2019 2:13 PM</a:t>
+              <a:t>3/14/2019 10:54 AM</a:t>
             </a:fld>
             <a:endParaRPr lang="en-US" dirty="0"/>
           </a:p>
@@ -1505,7 +1505,7 @@
           <a:p>
             <a:fld id="{386CE63F-9E7F-4C04-9D0D-FCA25A8E9E86}" type="datetime8">
               <a:rPr lang="en-US" smtClean="0"/>
-              <a:t>3/4/2019 2:16 PM</a:t>
+              <a:t>3/14/2019 10:54 AM</a:t>
             </a:fld>
             <a:endParaRPr lang="en-US" dirty="0"/>
           </a:p>
@@ -7186,7 +7186,7 @@
                 <a16:creationId xmlns:a16="http://schemas.microsoft.com/office/drawing/2014/main" id="{9D10FD3D-21F3-4A0B-8527-87A9168AC7B5}"/>
               </a:ext>
               <a:ext uri="{C183D7F6-B498-43B3-948B-1728B52AA6E4}">
-                <adec:decorative xmlns:adec="http://schemas.microsoft.com/office/drawing/2017/decorative" val="1"/>
+                <adec:decorative xmlns:adec="http://schemas.microsoft.com/office/drawing/2017/decorative" xmlns="" val="1"/>
               </a:ext>
             </a:extLst>
           </p:cNvPr>
@@ -7294,7 +7294,7 @@
         <p:spPr>
           <a:xfrm>
             <a:off x="584200" y="1435497"/>
-            <a:ext cx="11018520" cy="4905958"/>
+            <a:ext cx="11018520" cy="3939540"/>
           </a:xfrm>
         </p:spPr>
         <p:txBody>
@@ -7423,24 +7423,12 @@
             </a:pPr>
             <a:r>
               <a:rPr lang="en-US" sz="2400" dirty="0"/>
-              <a:t>Internet access</a:t>
-            </a:r>
-          </a:p>
-          <a:p>
-            <a:pPr>
-              <a:spcBef>
-                <a:spcPts val="0"/>
-              </a:spcBef>
-              <a:spcAft>
-                <a:spcPts val="600"/>
-              </a:spcAft>
-            </a:pPr>
-            <a:r>
-              <a:rPr lang="en-US" sz="2400" dirty="0"/>
-              <a:t>Emergency procedures</a:t>
-            </a:r>
-          </a:p>
-          <a:p>
+              <a:t>Internet </a:t>
+            </a:r>
+            <a:r>
+              <a:rPr lang="en-US" sz="2400" dirty="0" smtClean="0"/>
+              <a:t>access</a:t>
+            </a:r>
             <a:endParaRPr lang="en-US" sz="2400" dirty="0"/>
           </a:p>
         </p:txBody>
@@ -8208,7 +8196,7 @@
         <p:spPr>
           <a:xfrm>
             <a:off x="584200" y="1435497"/>
-            <a:ext cx="11018520" cy="2499146"/>
+            <a:ext cx="11018520" cy="1982081"/>
           </a:xfrm>
         </p:spPr>
         <p:txBody>
@@ -8235,14 +8223,13 @@
           <a:p>
             <a:r>
               <a:rPr lang="en-US" dirty="0"/>
-              <a:t>M04 – Azure pricing and support</a:t>
-            </a:r>
-          </a:p>
-          <a:p>
-            <a:r>
-              <a:rPr lang="en-US" dirty="0"/>
-              <a:t>M05 – Final Exam</a:t>
-            </a:r>
+              <a:t>M04 – Azure pricing and </a:t>
+            </a:r>
+            <a:r>
+              <a:rPr lang="en-US" dirty="0" smtClean="0"/>
+              <a:t>support</a:t>
+            </a:r>
+            <a:endParaRPr lang="en-US" dirty="0"/>
           </a:p>
         </p:txBody>
       </p:sp>
@@ -8337,7 +8324,7 @@
         </p:nvGraphicFramePr>
         <p:xfrm>
           <a:off x="896257" y="1690134"/>
-          <a:ext cx="9332686" cy="1922465"/>
+          <a:ext cx="9332686" cy="2103120"/>
         </p:xfrm>
         <a:graphic>
           <a:graphicData uri="http://schemas.openxmlformats.org/drawingml/2006/table">
@@ -9140,8 +9127,8 @@
               <a:buChar char="•"/>
             </a:pPr>
             <a:r>
-              <a:rPr lang="en-US"/>
-              <a:t>Office </a:t>
+              <a:rPr lang="en-US" smtClean="0"/>
+              <a:t>Azure </a:t>
             </a:r>
             <a:r>
               <a:rPr lang="en-US" dirty="0"/>
